--- a/results/figures/pptx/impact_work_s2.pptx
+++ b/results/figures/pptx/impact_work_s2.pptx
@@ -2271,14 +2271,14 @@
           </p:nvSpPr>
           <p:spPr>
             <a:xfrm>
-              <a:off x="1277632" y="3435812"/>
-              <a:ext cx="1626799" cy="1609899"/>
+              <a:off x="1277632" y="5873159"/>
+              <a:ext cx="1626799" cy="215667"/>
             </a:xfrm>
             <a:prstGeom prst="rect">
               <a:avLst/>
             </a:prstGeom>
             <a:solidFill>
-              <a:srgbClr val="2196F3">
+              <a:srgbClr val="B0BEC5">
                 <a:alpha val="100000"/>
               </a:srgbClr>
             </a:solidFill>
@@ -2297,14 +2297,14 @@
           </p:nvSpPr>
           <p:spPr>
             <a:xfrm>
-              <a:off x="3085188" y="2325537"/>
-              <a:ext cx="1626799" cy="2720174"/>
+              <a:off x="3085188" y="4004040"/>
+              <a:ext cx="1626799" cy="2084786"/>
             </a:xfrm>
             <a:prstGeom prst="rect">
               <a:avLst/>
             </a:prstGeom>
             <a:solidFill>
-              <a:srgbClr val="87B537">
+              <a:srgbClr val="FFC107">
                 <a:alpha val="100000"/>
               </a:srgbClr>
             </a:solidFill>
@@ -2323,14 +2323,14 @@
           </p:nvSpPr>
           <p:spPr>
             <a:xfrm>
-              <a:off x="4892743" y="4546087"/>
-              <a:ext cx="1626799" cy="499623"/>
+              <a:off x="4892743" y="2566256"/>
+              <a:ext cx="1626799" cy="3522570"/>
             </a:xfrm>
             <a:prstGeom prst="rect">
               <a:avLst/>
             </a:prstGeom>
             <a:solidFill>
-              <a:srgbClr val="BD5A77">
+              <a:srgbClr val="F44336">
                 <a:alpha val="100000"/>
               </a:srgbClr>
             </a:solidFill>
@@ -2349,14 +2349,14 @@
           </p:nvSpPr>
           <p:spPr>
             <a:xfrm>
-              <a:off x="6700298" y="4879170"/>
-              <a:ext cx="1626799" cy="166541"/>
+              <a:off x="6700298" y="5441824"/>
+              <a:ext cx="1626799" cy="647002"/>
             </a:xfrm>
             <a:prstGeom prst="rect">
               <a:avLst/>
             </a:prstGeom>
             <a:solidFill>
-              <a:srgbClr val="F44336">
+              <a:srgbClr val="4CAF50">
                 <a:alpha val="100000"/>
               </a:srgbClr>
             </a:solidFill>
@@ -2375,8 +2375,8 @@
           </p:nvSpPr>
           <p:spPr>
             <a:xfrm>
-              <a:off x="1990549" y="2848823"/>
-              <a:ext cx="200965" cy="132065"/>
+              <a:off x="2050839" y="5403497"/>
+              <a:ext cx="80386" cy="105723"/>
             </a:xfrm>
             <a:prstGeom prst="rect">
               <a:avLst/>
@@ -2389,7 +2389,7 @@
             <a:p>
               <a:pPr algn="l" marL="0" marR="0" indent="0">
                 <a:lnSpc>
-                  <a:spcPts val="1422"/>
+                  <a:spcPts val="1138"/>
                 </a:lnSpc>
                 <a:spcBef>
                   <a:spcPts val="0"/>
@@ -2399,7 +2399,99 @@
                 </a:spcAft>
               </a:pPr>
               <a:r>
-                <a:rPr sz="1422">
+                <a:rPr sz="1138">
+                  <a:solidFill>
+                    <a:srgbClr val="000000">
+                      <a:alpha val="100000"/>
+                    </a:srgbClr>
+                  </a:solidFill>
+                  <a:latin typeface="Arial"/>
+                  <a:cs typeface="Arial"/>
+                </a:rPr>
+                <a:t>3</a:t>
+              </a:r>
+            </a:p>
+          </p:txBody>
+        </p:sp>
+        <p:sp>
+          <p:nvSpPr>
+            <p:cNvPr id="9" name="tx9"/>
+            <p:cNvSpPr/>
+            <p:nvPr/>
+          </p:nvSpPr>
+          <p:spPr>
+            <a:xfrm>
+              <a:off x="1938446" y="5581710"/>
+              <a:ext cx="305171" cy="135647"/>
+            </a:xfrm>
+            <a:prstGeom prst="rect">
+              <a:avLst/>
+            </a:prstGeom>
+            <a:noFill/>
+          </p:spPr>
+          <p:txBody>
+            <a:bodyPr lIns="0" rIns="0" tIns="0" bIns="0" anchorCtr="1" anchor="ctr" wrap="none"/>
+            <a:lstStyle/>
+            <a:p>
+              <a:pPr algn="l" marL="0" marR="0" indent="0">
+                <a:lnSpc>
+                  <a:spcPts val="1138"/>
+                </a:lnSpc>
+                <a:spcBef>
+                  <a:spcPts val="0"/>
+                </a:spcBef>
+                <a:spcAft>
+                  <a:spcPts val="0"/>
+                </a:spcAft>
+              </a:pPr>
+              <a:r>
+                <a:rPr sz="1138">
+                  <a:solidFill>
+                    <a:srgbClr val="000000">
+                      <a:alpha val="100000"/>
+                    </a:srgbClr>
+                  </a:solidFill>
+                  <a:latin typeface="Arial"/>
+                  <a:cs typeface="Arial"/>
+                </a:rPr>
+                <a:t>(3%)</a:t>
+              </a:r>
+            </a:p>
+          </p:txBody>
+        </p:sp>
+        <p:sp>
+          <p:nvSpPr>
+            <p:cNvPr id="10" name="tx10"/>
+            <p:cNvSpPr/>
+            <p:nvPr/>
+          </p:nvSpPr>
+          <p:spPr>
+            <a:xfrm>
+              <a:off x="3818201" y="3534449"/>
+              <a:ext cx="160772" cy="105652"/>
+            </a:xfrm>
+            <a:prstGeom prst="rect">
+              <a:avLst/>
+            </a:prstGeom>
+            <a:noFill/>
+          </p:spPr>
+          <p:txBody>
+            <a:bodyPr lIns="0" rIns="0" tIns="0" bIns="0" anchorCtr="1" anchor="ctr" wrap="none"/>
+            <a:lstStyle/>
+            <a:p>
+              <a:pPr algn="l" marL="0" marR="0" indent="0">
+                <a:lnSpc>
+                  <a:spcPts val="1138"/>
+                </a:lnSpc>
+                <a:spcBef>
+                  <a:spcPts val="0"/>
+                </a:spcBef>
+                <a:spcAft>
+                  <a:spcPts val="0"/>
+                </a:spcAft>
+              </a:pPr>
+              <a:r>
+                <a:rPr sz="1138">
                   <a:solidFill>
                     <a:srgbClr val="000000">
                       <a:alpha val="100000"/>
@@ -2415,14 +2507,14 @@
         </p:sp>
         <p:sp>
           <p:nvSpPr>
-            <p:cNvPr id="9" name="tx9"/>
+            <p:cNvPr id="11" name="tx11"/>
             <p:cNvSpPr/>
             <p:nvPr/>
           </p:nvSpPr>
           <p:spPr>
             <a:xfrm>
-              <a:off x="1850059" y="3071501"/>
-              <a:ext cx="481947" cy="169559"/>
+              <a:off x="3705809" y="3712591"/>
+              <a:ext cx="385557" cy="135647"/>
             </a:xfrm>
             <a:prstGeom prst="rect">
               <a:avLst/>
@@ -2435,7 +2527,7 @@
             <a:p>
               <a:pPr algn="l" marL="0" marR="0" indent="0">
                 <a:lnSpc>
-                  <a:spcPts val="1422"/>
+                  <a:spcPts val="1138"/>
                 </a:lnSpc>
                 <a:spcBef>
                   <a:spcPts val="0"/>
@@ -2445,7 +2537,7 @@
                 </a:spcAft>
               </a:pPr>
               <a:r>
-                <a:rPr sz="1422">
+                <a:rPr sz="1138">
                   <a:solidFill>
                     <a:srgbClr val="000000">
                       <a:alpha val="100000"/>
@@ -2461,14 +2553,14 @@
         </p:sp>
         <p:sp>
           <p:nvSpPr>
-            <p:cNvPr id="10" name="tx10"/>
+            <p:cNvPr id="12" name="tx12"/>
             <p:cNvSpPr/>
             <p:nvPr/>
           </p:nvSpPr>
           <p:spPr>
             <a:xfrm>
-              <a:off x="3798105" y="1738548"/>
-              <a:ext cx="200965" cy="132065"/>
+              <a:off x="5625757" y="2096665"/>
+              <a:ext cx="160772" cy="105652"/>
             </a:xfrm>
             <a:prstGeom prst="rect">
               <a:avLst/>
@@ -2481,7 +2573,7 @@
             <a:p>
               <a:pPr algn="l" marL="0" marR="0" indent="0">
                 <a:lnSpc>
-                  <a:spcPts val="1422"/>
+                  <a:spcPts val="1138"/>
                 </a:lnSpc>
                 <a:spcBef>
                   <a:spcPts val="0"/>
@@ -2491,7 +2583,7 @@
                 </a:spcAft>
               </a:pPr>
               <a:r>
-                <a:rPr sz="1422">
+                <a:rPr sz="1138">
                   <a:solidFill>
                     <a:srgbClr val="000000">
                       <a:alpha val="100000"/>
@@ -2507,14 +2599,14 @@
         </p:sp>
         <p:sp>
           <p:nvSpPr>
-            <p:cNvPr id="11" name="tx11"/>
+            <p:cNvPr id="13" name="tx13"/>
             <p:cNvSpPr/>
             <p:nvPr/>
           </p:nvSpPr>
           <p:spPr>
             <a:xfrm>
-              <a:off x="3657614" y="1961226"/>
-              <a:ext cx="481947" cy="169559"/>
+              <a:off x="5513364" y="2274807"/>
+              <a:ext cx="385557" cy="135647"/>
             </a:xfrm>
             <a:prstGeom prst="rect">
               <a:avLst/>
@@ -2527,7 +2619,7 @@
             <a:p>
               <a:pPr algn="l" marL="0" marR="0" indent="0">
                 <a:lnSpc>
-                  <a:spcPts val="1422"/>
+                  <a:spcPts val="1138"/>
                 </a:lnSpc>
                 <a:spcBef>
                   <a:spcPts val="0"/>
@@ -2537,7 +2629,7 @@
                 </a:spcAft>
               </a:pPr>
               <a:r>
-                <a:rPr sz="1422">
+                <a:rPr sz="1138">
                   <a:solidFill>
                     <a:srgbClr val="000000">
                       <a:alpha val="100000"/>
@@ -2553,14 +2645,14 @@
         </p:sp>
         <p:sp>
           <p:nvSpPr>
-            <p:cNvPr id="12" name="tx12"/>
+            <p:cNvPr id="14" name="tx14"/>
             <p:cNvSpPr/>
             <p:nvPr/>
           </p:nvSpPr>
           <p:spPr>
             <a:xfrm>
-              <a:off x="5655902" y="3959098"/>
-              <a:ext cx="100482" cy="132065"/>
+              <a:off x="7473505" y="4972233"/>
+              <a:ext cx="80386" cy="105652"/>
             </a:xfrm>
             <a:prstGeom prst="rect">
               <a:avLst/>
@@ -2573,7 +2665,7 @@
             <a:p>
               <a:pPr algn="l" marL="0" marR="0" indent="0">
                 <a:lnSpc>
-                  <a:spcPts val="1422"/>
+                  <a:spcPts val="1138"/>
                 </a:lnSpc>
                 <a:spcBef>
                   <a:spcPts val="0"/>
@@ -2583,7 +2675,7 @@
                 </a:spcAft>
               </a:pPr>
               <a:r>
-                <a:rPr sz="1422">
+                <a:rPr sz="1138">
                   <a:solidFill>
                     <a:srgbClr val="000000">
                       <a:alpha val="100000"/>
@@ -2599,14 +2691,14 @@
         </p:sp>
         <p:sp>
           <p:nvSpPr>
-            <p:cNvPr id="13" name="tx13"/>
+            <p:cNvPr id="15" name="tx15"/>
             <p:cNvSpPr/>
             <p:nvPr/>
           </p:nvSpPr>
           <p:spPr>
             <a:xfrm>
-              <a:off x="5465169" y="4181777"/>
-              <a:ext cx="481947" cy="169559"/>
+              <a:off x="7320920" y="5150375"/>
+              <a:ext cx="385557" cy="135647"/>
             </a:xfrm>
             <a:prstGeom prst="rect">
               <a:avLst/>
@@ -2619,7 +2711,7 @@
             <a:p>
               <a:pPr algn="l" marL="0" marR="0" indent="0">
                 <a:lnSpc>
-                  <a:spcPts val="1422"/>
+                  <a:spcPts val="1138"/>
                 </a:lnSpc>
                 <a:spcBef>
                   <a:spcPts val="0"/>
@@ -2629,7 +2721,7 @@
                 </a:spcAft>
               </a:pPr>
               <a:r>
-                <a:rPr sz="1422">
+                <a:rPr sz="1138">
                   <a:solidFill>
                     <a:srgbClr val="000000">
                       <a:alpha val="100000"/>
@@ -2645,98 +2737,6 @@
         </p:sp>
         <p:sp>
           <p:nvSpPr>
-            <p:cNvPr id="14" name="tx14"/>
-            <p:cNvSpPr/>
-            <p:nvPr/>
-          </p:nvSpPr>
-          <p:spPr>
-            <a:xfrm>
-              <a:off x="7463457" y="4292093"/>
-              <a:ext cx="100482" cy="132153"/>
-            </a:xfrm>
-            <a:prstGeom prst="rect">
-              <a:avLst/>
-            </a:prstGeom>
-            <a:noFill/>
-          </p:spPr>
-          <p:txBody>
-            <a:bodyPr lIns="0" rIns="0" tIns="0" bIns="0" anchorCtr="1" anchor="ctr" wrap="none"/>
-            <a:lstStyle/>
-            <a:p>
-              <a:pPr algn="l" marL="0" marR="0" indent="0">
-                <a:lnSpc>
-                  <a:spcPts val="1422"/>
-                </a:lnSpc>
-                <a:spcBef>
-                  <a:spcPts val="0"/>
-                </a:spcBef>
-                <a:spcAft>
-                  <a:spcPts val="0"/>
-                </a:spcAft>
-              </a:pPr>
-              <a:r>
-                <a:rPr sz="1422">
-                  <a:solidFill>
-                    <a:srgbClr val="000000">
-                      <a:alpha val="100000"/>
-                    </a:srgbClr>
-                  </a:solidFill>
-                  <a:latin typeface="Arial"/>
-                  <a:cs typeface="Arial"/>
-                </a:rPr>
-                <a:t>3</a:t>
-              </a:r>
-            </a:p>
-          </p:txBody>
-        </p:sp>
-        <p:sp>
-          <p:nvSpPr>
-            <p:cNvPr id="15" name="tx15"/>
-            <p:cNvSpPr/>
-            <p:nvPr/>
-          </p:nvSpPr>
-          <p:spPr>
-            <a:xfrm>
-              <a:off x="7322966" y="4514859"/>
-              <a:ext cx="381464" cy="169559"/>
-            </a:xfrm>
-            <a:prstGeom prst="rect">
-              <a:avLst/>
-            </a:prstGeom>
-            <a:noFill/>
-          </p:spPr>
-          <p:txBody>
-            <a:bodyPr lIns="0" rIns="0" tIns="0" bIns="0" anchorCtr="1" anchor="ctr" wrap="none"/>
-            <a:lstStyle/>
-            <a:p>
-              <a:pPr algn="l" marL="0" marR="0" indent="0">
-                <a:lnSpc>
-                  <a:spcPts val="1422"/>
-                </a:lnSpc>
-                <a:spcBef>
-                  <a:spcPts val="0"/>
-                </a:spcBef>
-                <a:spcAft>
-                  <a:spcPts val="0"/>
-                </a:spcAft>
-              </a:pPr>
-              <a:r>
-                <a:rPr sz="1422">
-                  <a:solidFill>
-                    <a:srgbClr val="000000">
-                      <a:alpha val="100000"/>
-                    </a:srgbClr>
-                  </a:solidFill>
-                  <a:latin typeface="Arial"/>
-                  <a:cs typeface="Arial"/>
-                </a:rPr>
-                <a:t>(3%)</a:t>
-              </a:r>
-            </a:p>
-          </p:txBody>
-        </p:sp>
-        <p:sp>
-          <p:nvSpPr>
             <p:cNvPr id="16" name="pl16"/>
             <p:cNvSpPr/>
             <p:nvPr/>
@@ -2744,14 +2744,14 @@
           <p:spPr>
             <a:xfrm>
               <a:off x="1006499" y="1509485"/>
-              <a:ext cx="0" cy="3536226"/>
+              <a:ext cx="0" cy="4579342"/>
             </a:xfrm>
             <a:custGeom>
               <a:avLst/>
               <a:pathLst>
-                <a:path w="0" h="3536226">
+                <a:path w="0" h="4579342">
                   <a:moveTo>
-                    <a:pt x="0" y="3536226"/>
+                    <a:pt x="0" y="4579342"/>
                   </a:moveTo>
                   <a:lnTo>
                     <a:pt x="0" y="0"/>
@@ -2783,7 +2783,7 @@
           </p:nvSpPr>
           <p:spPr>
             <a:xfrm>
-              <a:off x="839500" y="4988859"/>
+              <a:off x="839500" y="6031974"/>
               <a:ext cx="84757" cy="111397"/>
             </a:xfrm>
             <a:prstGeom prst="rect">
@@ -2829,7 +2829,7 @@
           </p:nvSpPr>
           <p:spPr>
             <a:xfrm>
-              <a:off x="754742" y="3878584"/>
+              <a:off x="754742" y="4594190"/>
               <a:ext cx="169515" cy="111397"/>
             </a:xfrm>
             <a:prstGeom prst="rect">
@@ -2875,7 +2875,7 @@
           </p:nvSpPr>
           <p:spPr>
             <a:xfrm>
-              <a:off x="754742" y="2768308"/>
+              <a:off x="754742" y="3156406"/>
               <a:ext cx="169515" cy="111397"/>
             </a:xfrm>
             <a:prstGeom prst="rect">
@@ -2921,7 +2921,7 @@
           </p:nvSpPr>
           <p:spPr>
             <a:xfrm>
-              <a:off x="754742" y="1658033"/>
+              <a:off x="754742" y="1718622"/>
               <a:ext cx="169515" cy="111397"/>
             </a:xfrm>
             <a:prstGeom prst="rect">
@@ -2967,7 +2967,7 @@
           </p:nvSpPr>
           <p:spPr>
             <a:xfrm>
-              <a:off x="962215" y="5045711"/>
+              <a:off x="962215" y="6088827"/>
               <a:ext cx="44283" cy="0"/>
             </a:xfrm>
             <a:custGeom>
@@ -3007,7 +3007,7 @@
           </p:nvSpPr>
           <p:spPr>
             <a:xfrm>
-              <a:off x="962215" y="3935436"/>
+              <a:off x="962215" y="4651043"/>
               <a:ext cx="44283" cy="0"/>
             </a:xfrm>
             <a:custGeom>
@@ -3047,7 +3047,7 @@
           </p:nvSpPr>
           <p:spPr>
             <a:xfrm>
-              <a:off x="962215" y="2825161"/>
+              <a:off x="962215" y="3213259"/>
               <a:ext cx="44283" cy="0"/>
             </a:xfrm>
             <a:custGeom>
@@ -3087,7 +3087,7 @@
           </p:nvSpPr>
           <p:spPr>
             <a:xfrm>
-              <a:off x="962215" y="1714885"/>
+              <a:off x="962215" y="1775475"/>
               <a:ext cx="44283" cy="0"/>
             </a:xfrm>
             <a:custGeom>
@@ -3127,7 +3127,7 @@
           </p:nvSpPr>
           <p:spPr>
             <a:xfrm>
-              <a:off x="1006499" y="5045711"/>
+              <a:off x="1006499" y="6088827"/>
               <a:ext cx="7591732" cy="0"/>
             </a:xfrm>
             <a:custGeom>
@@ -3161,13 +3161,357 @@
         </p:sp>
         <p:sp>
           <p:nvSpPr>
-            <p:cNvPr id="26" name="tx26"/>
+            <p:cNvPr id="26" name="pl26"/>
+            <p:cNvSpPr/>
+            <p:nvPr/>
+          </p:nvSpPr>
+          <p:spPr>
+            <a:xfrm>
+              <a:off x="2091032" y="6088827"/>
+              <a:ext cx="0" cy="44283"/>
+            </a:xfrm>
+            <a:custGeom>
+              <a:avLst/>
+              <a:pathLst>
+                <a:path w="0" h="44283">
+                  <a:moveTo>
+                    <a:pt x="0" y="44283"/>
+                  </a:moveTo>
+                  <a:lnTo>
+                    <a:pt x="0" y="0"/>
+                  </a:lnTo>
+                </a:path>
+              </a:pathLst>
+            </a:custGeom>
+            <a:ln w="13550" cap="flat">
+              <a:solidFill>
+                <a:srgbClr val="000000">
+                  <a:alpha val="100000"/>
+                </a:srgbClr>
+              </a:solidFill>
+              <a:prstDash val="solid"/>
+              <a:round/>
+            </a:ln>
+          </p:spPr>
+          <p:txBody>
+            <a:bodyPr/>
+            <a:lstStyle/>
+            <a:p/>
+          </p:txBody>
+        </p:sp>
+        <p:sp>
+          <p:nvSpPr>
+            <p:cNvPr id="27" name="pl27"/>
+            <p:cNvSpPr/>
+            <p:nvPr/>
+          </p:nvSpPr>
+          <p:spPr>
+            <a:xfrm>
+              <a:off x="3898588" y="6088827"/>
+              <a:ext cx="0" cy="44283"/>
+            </a:xfrm>
+            <a:custGeom>
+              <a:avLst/>
+              <a:pathLst>
+                <a:path w="0" h="44283">
+                  <a:moveTo>
+                    <a:pt x="0" y="44283"/>
+                  </a:moveTo>
+                  <a:lnTo>
+                    <a:pt x="0" y="0"/>
+                  </a:lnTo>
+                </a:path>
+              </a:pathLst>
+            </a:custGeom>
+            <a:ln w="13550" cap="flat">
+              <a:solidFill>
+                <a:srgbClr val="000000">
+                  <a:alpha val="100000"/>
+                </a:srgbClr>
+              </a:solidFill>
+              <a:prstDash val="solid"/>
+              <a:round/>
+            </a:ln>
+          </p:spPr>
+          <p:txBody>
+            <a:bodyPr/>
+            <a:lstStyle/>
+            <a:p/>
+          </p:txBody>
+        </p:sp>
+        <p:sp>
+          <p:nvSpPr>
+            <p:cNvPr id="28" name="pl28"/>
+            <p:cNvSpPr/>
+            <p:nvPr/>
+          </p:nvSpPr>
+          <p:spPr>
+            <a:xfrm>
+              <a:off x="5706143" y="6088827"/>
+              <a:ext cx="0" cy="44283"/>
+            </a:xfrm>
+            <a:custGeom>
+              <a:avLst/>
+              <a:pathLst>
+                <a:path w="0" h="44283">
+                  <a:moveTo>
+                    <a:pt x="0" y="44283"/>
+                  </a:moveTo>
+                  <a:lnTo>
+                    <a:pt x="0" y="0"/>
+                  </a:lnTo>
+                </a:path>
+              </a:pathLst>
+            </a:custGeom>
+            <a:ln w="13550" cap="flat">
+              <a:solidFill>
+                <a:srgbClr val="000000">
+                  <a:alpha val="100000"/>
+                </a:srgbClr>
+              </a:solidFill>
+              <a:prstDash val="solid"/>
+              <a:round/>
+            </a:ln>
+          </p:spPr>
+          <p:txBody>
+            <a:bodyPr/>
+            <a:lstStyle/>
+            <a:p/>
+          </p:txBody>
+        </p:sp>
+        <p:sp>
+          <p:nvSpPr>
+            <p:cNvPr id="29" name="pl29"/>
+            <p:cNvSpPr/>
+            <p:nvPr/>
+          </p:nvSpPr>
+          <p:spPr>
+            <a:xfrm>
+              <a:off x="7513698" y="6088827"/>
+              <a:ext cx="0" cy="44283"/>
+            </a:xfrm>
+            <a:custGeom>
+              <a:avLst/>
+              <a:pathLst>
+                <a:path w="0" h="44283">
+                  <a:moveTo>
+                    <a:pt x="0" y="44283"/>
+                  </a:moveTo>
+                  <a:lnTo>
+                    <a:pt x="0" y="0"/>
+                  </a:lnTo>
+                </a:path>
+              </a:pathLst>
+            </a:custGeom>
+            <a:ln w="13550" cap="flat">
+              <a:solidFill>
+                <a:srgbClr val="000000">
+                  <a:alpha val="100000"/>
+                </a:srgbClr>
+              </a:solidFill>
+              <a:prstDash val="solid"/>
+              <a:round/>
+            </a:ln>
+          </p:spPr>
+          <p:txBody>
+            <a:bodyPr/>
+            <a:lstStyle/>
+            <a:p/>
+          </p:txBody>
+        </p:sp>
+        <p:sp>
+          <p:nvSpPr>
+            <p:cNvPr id="30" name="tx30"/>
+            <p:cNvSpPr/>
+            <p:nvPr/>
+          </p:nvSpPr>
+          <p:spPr>
+            <a:xfrm>
+              <a:off x="1686778" y="6169282"/>
+              <a:ext cx="808508" cy="110876"/>
+            </a:xfrm>
+            <a:prstGeom prst="rect">
+              <a:avLst/>
+            </a:prstGeom>
+            <a:noFill/>
+          </p:spPr>
+          <p:txBody>
+            <a:bodyPr lIns="0" rIns="0" tIns="0" bIns="0" anchorCtr="1" anchor="ctr" wrap="none"/>
+            <a:lstStyle/>
+            <a:p>
+              <a:pPr algn="l" marL="0" marR="0" indent="0">
+                <a:lnSpc>
+                  <a:spcPts val="1200"/>
+                </a:lnSpc>
+                <a:spcBef>
+                  <a:spcPts val="0"/>
+                </a:spcBef>
+                <a:spcAft>
+                  <a:spcPts val="0"/>
+                </a:spcAft>
+              </a:pPr>
+              <a:r>
+                <a:rPr sz="1200">
+                  <a:solidFill>
+                    <a:srgbClr val="000000">
+                      <a:alpha val="100000"/>
+                    </a:srgbClr>
+                  </a:solidFill>
+                  <a:latin typeface="Arial"/>
+                  <a:cs typeface="Arial"/>
+                </a:rPr>
+                <a:t>I don't know</a:t>
+              </a:r>
+            </a:p>
+          </p:txBody>
+        </p:sp>
+        <p:sp>
+          <p:nvSpPr>
+            <p:cNvPr id="31" name="tx31"/>
+            <p:cNvSpPr/>
+            <p:nvPr/>
+          </p:nvSpPr>
+          <p:spPr>
+            <a:xfrm>
+              <a:off x="3564134" y="6169282"/>
+              <a:ext cx="668908" cy="110876"/>
+            </a:xfrm>
+            <a:prstGeom prst="rect">
+              <a:avLst/>
+            </a:prstGeom>
+            <a:noFill/>
+          </p:spPr>
+          <p:txBody>
+            <a:bodyPr lIns="0" rIns="0" tIns="0" bIns="0" anchorCtr="1" anchor="ctr" wrap="none"/>
+            <a:lstStyle/>
+            <a:p>
+              <a:pPr algn="l" marL="0" marR="0" indent="0">
+                <a:lnSpc>
+                  <a:spcPts val="1200"/>
+                </a:lnSpc>
+                <a:spcBef>
+                  <a:spcPts val="0"/>
+                </a:spcBef>
+                <a:spcAft>
+                  <a:spcPts val="0"/>
+                </a:spcAft>
+              </a:pPr>
+              <a:r>
+                <a:rPr sz="1200">
+                  <a:solidFill>
+                    <a:srgbClr val="000000">
+                      <a:alpha val="100000"/>
+                    </a:srgbClr>
+                  </a:solidFill>
+                  <a:latin typeface="Arial"/>
+                  <a:cs typeface="Arial"/>
+                </a:rPr>
+                <a:t>Work less</a:t>
+              </a:r>
+            </a:p>
+          </p:txBody>
+        </p:sp>
+        <p:sp>
+          <p:nvSpPr>
+            <p:cNvPr id="32" name="tx32"/>
+            <p:cNvSpPr/>
+            <p:nvPr/>
+          </p:nvSpPr>
+          <p:spPr>
+            <a:xfrm>
+              <a:off x="5138512" y="6137135"/>
+              <a:ext cx="1135260" cy="143023"/>
+            </a:xfrm>
+            <a:prstGeom prst="rect">
+              <a:avLst/>
+            </a:prstGeom>
+            <a:noFill/>
+          </p:spPr>
+          <p:txBody>
+            <a:bodyPr lIns="0" rIns="0" tIns="0" bIns="0" anchorCtr="1" anchor="ctr" wrap="none"/>
+            <a:lstStyle/>
+            <a:p>
+              <a:pPr algn="l" marL="0" marR="0" indent="0">
+                <a:lnSpc>
+                  <a:spcPts val="1200"/>
+                </a:lnSpc>
+                <a:spcBef>
+                  <a:spcPts val="0"/>
+                </a:spcBef>
+                <a:spcAft>
+                  <a:spcPts val="0"/>
+                </a:spcAft>
+              </a:pPr>
+              <a:r>
+                <a:rPr sz="1200">
+                  <a:solidFill>
+                    <a:srgbClr val="000000">
+                      <a:alpha val="100000"/>
+                    </a:srgbClr>
+                  </a:solidFill>
+                  <a:latin typeface="Arial"/>
+                  <a:cs typeface="Arial"/>
+                </a:rPr>
+                <a:t>Stopped working</a:t>
+              </a:r>
+            </a:p>
+          </p:txBody>
+        </p:sp>
+        <p:sp>
+          <p:nvSpPr>
+            <p:cNvPr id="33" name="tx33"/>
+            <p:cNvSpPr/>
+            <p:nvPr/>
+          </p:nvSpPr>
+          <p:spPr>
+            <a:xfrm>
+              <a:off x="7170687" y="6140782"/>
+              <a:ext cx="686023" cy="139377"/>
+            </a:xfrm>
+            <a:prstGeom prst="rect">
+              <a:avLst/>
+            </a:prstGeom>
+            <a:noFill/>
+          </p:spPr>
+          <p:txBody>
+            <a:bodyPr lIns="0" rIns="0" tIns="0" bIns="0" anchorCtr="1" anchor="ctr" wrap="none"/>
+            <a:lstStyle/>
+            <a:p>
+              <a:pPr algn="l" marL="0" marR="0" indent="0">
+                <a:lnSpc>
+                  <a:spcPts val="1200"/>
+                </a:lnSpc>
+                <a:spcBef>
+                  <a:spcPts val="0"/>
+                </a:spcBef>
+                <a:spcAft>
+                  <a:spcPts val="0"/>
+                </a:spcAft>
+              </a:pPr>
+              <a:r>
+                <a:rPr sz="1200">
+                  <a:solidFill>
+                    <a:srgbClr val="000000">
+                      <a:alpha val="100000"/>
+                    </a:srgbClr>
+                  </a:solidFill>
+                  <a:latin typeface="Arial"/>
+                  <a:cs typeface="Arial"/>
+                </a:rPr>
+                <a:t>No impact</a:t>
+              </a:r>
+            </a:p>
+          </p:txBody>
+        </p:sp>
+        <p:sp>
+          <p:nvSpPr>
+            <p:cNvPr id="34" name="tx34"/>
             <p:cNvSpPr/>
             <p:nvPr/>
           </p:nvSpPr>
           <p:spPr>
             <a:xfrm rot="-5400000">
-              <a:off x="-160440" y="3195209"/>
+              <a:off x="-160440" y="3716767"/>
               <a:ext cx="1502184" cy="164777"/>
             </a:xfrm>
             <a:prstGeom prst="rect">
@@ -3201,294 +3545,6 @@
                   <a:cs typeface="Arial"/>
                 </a:rPr>
                 <a:t>Number of patients</a:t>
-              </a:r>
-            </a:p>
-          </p:txBody>
-        </p:sp>
-        <p:sp>
-          <p:nvSpPr>
-            <p:cNvPr id="27" name="rc27"/>
-            <p:cNvSpPr/>
-            <p:nvPr/>
-          </p:nvSpPr>
-          <p:spPr>
-            <a:xfrm>
-              <a:off x="1015499" y="5276131"/>
-              <a:ext cx="176849" cy="176849"/>
-            </a:xfrm>
-            <a:prstGeom prst="rect">
-              <a:avLst/>
-            </a:prstGeom>
-            <a:solidFill>
-              <a:srgbClr val="2196F3">
-                <a:alpha val="100000"/>
-              </a:srgbClr>
-            </a:solidFill>
-          </p:spPr>
-          <p:txBody>
-            <a:bodyPr/>
-            <a:lstStyle/>
-            <a:p/>
-          </p:txBody>
-        </p:sp>
-        <p:sp>
-          <p:nvSpPr>
-            <p:cNvPr id="28" name="rc28"/>
-            <p:cNvSpPr/>
-            <p:nvPr/>
-          </p:nvSpPr>
-          <p:spPr>
-            <a:xfrm>
-              <a:off x="1015499" y="5559548"/>
-              <a:ext cx="176849" cy="176849"/>
-            </a:xfrm>
-            <a:prstGeom prst="rect">
-              <a:avLst/>
-            </a:prstGeom>
-            <a:solidFill>
-              <a:srgbClr val="87B537">
-                <a:alpha val="100000"/>
-              </a:srgbClr>
-            </a:solidFill>
-          </p:spPr>
-          <p:txBody>
-            <a:bodyPr/>
-            <a:lstStyle/>
-            <a:p/>
-          </p:txBody>
-        </p:sp>
-        <p:sp>
-          <p:nvSpPr>
-            <p:cNvPr id="29" name="rc29"/>
-            <p:cNvSpPr/>
-            <p:nvPr/>
-          </p:nvSpPr>
-          <p:spPr>
-            <a:xfrm>
-              <a:off x="1015499" y="5842965"/>
-              <a:ext cx="176849" cy="176849"/>
-            </a:xfrm>
-            <a:prstGeom prst="rect">
-              <a:avLst/>
-            </a:prstGeom>
-            <a:solidFill>
-              <a:srgbClr val="BD5A77">
-                <a:alpha val="100000"/>
-              </a:srgbClr>
-            </a:solidFill>
-          </p:spPr>
-          <p:txBody>
-            <a:bodyPr/>
-            <a:lstStyle/>
-            <a:p/>
-          </p:txBody>
-        </p:sp>
-        <p:sp>
-          <p:nvSpPr>
-            <p:cNvPr id="30" name="rc30"/>
-            <p:cNvSpPr/>
-            <p:nvPr/>
-          </p:nvSpPr>
-          <p:spPr>
-            <a:xfrm>
-              <a:off x="1015499" y="6126382"/>
-              <a:ext cx="176849" cy="176849"/>
-            </a:xfrm>
-            <a:prstGeom prst="rect">
-              <a:avLst/>
-            </a:prstGeom>
-            <a:solidFill>
-              <a:srgbClr val="F44336">
-                <a:alpha val="100000"/>
-              </a:srgbClr>
-            </a:solidFill>
-          </p:spPr>
-          <p:txBody>
-            <a:bodyPr/>
-            <a:lstStyle/>
-            <a:p/>
-          </p:txBody>
-        </p:sp>
-        <p:sp>
-          <p:nvSpPr>
-            <p:cNvPr id="31" name="tx31"/>
-            <p:cNvSpPr/>
-            <p:nvPr/>
-          </p:nvSpPr>
-          <p:spPr>
-            <a:xfrm>
-              <a:off x="1289916" y="5276003"/>
-              <a:ext cx="4654525" cy="143098"/>
-            </a:xfrm>
-            <a:prstGeom prst="rect">
-              <a:avLst/>
-            </a:prstGeom>
-            <a:noFill/>
-          </p:spPr>
-          <p:txBody>
-            <a:bodyPr lIns="0" rIns="0" tIns="0" bIns="0" anchorCtr="1" anchor="ctr" wrap="none"/>
-            <a:lstStyle/>
-            <a:p>
-              <a:pPr algn="l" marL="0" marR="0" indent="0">
-                <a:lnSpc>
-                  <a:spcPts val="1200"/>
-                </a:lnSpc>
-                <a:spcBef>
-                  <a:spcPts val="0"/>
-                </a:spcBef>
-                <a:spcAft>
-                  <a:spcPts val="0"/>
-                </a:spcAft>
-              </a:pPr>
-              <a:r>
-                <a:rPr sz="1200">
-                  <a:solidFill>
-                    <a:srgbClr val="000000">
-                      <a:alpha val="100000"/>
-                    </a:srgbClr>
-                  </a:solidFill>
-                  <a:latin typeface="Arial"/>
-                  <a:cs typeface="Arial"/>
-                </a:rPr>
-                <a:t>Oui, je travaille moins qu'avant en raison de mon trouble psychotique</a:t>
-              </a:r>
-            </a:p>
-          </p:txBody>
-        </p:sp>
-        <p:sp>
-          <p:nvSpPr>
-            <p:cNvPr id="32" name="tx32"/>
-            <p:cNvSpPr/>
-            <p:nvPr/>
-          </p:nvSpPr>
-          <p:spPr>
-            <a:xfrm>
-              <a:off x="1289916" y="5559420"/>
-              <a:ext cx="4362673" cy="143098"/>
-            </a:xfrm>
-            <a:prstGeom prst="rect">
-              <a:avLst/>
-            </a:prstGeom>
-            <a:noFill/>
-          </p:spPr>
-          <p:txBody>
-            <a:bodyPr lIns="0" rIns="0" tIns="0" bIns="0" anchorCtr="1" anchor="ctr" wrap="none"/>
-            <a:lstStyle/>
-            <a:p>
-              <a:pPr algn="l" marL="0" marR="0" indent="0">
-                <a:lnSpc>
-                  <a:spcPts val="1200"/>
-                </a:lnSpc>
-                <a:spcBef>
-                  <a:spcPts val="0"/>
-                </a:spcBef>
-                <a:spcAft>
-                  <a:spcPts val="0"/>
-                </a:spcAft>
-              </a:pPr>
-              <a:r>
-                <a:rPr sz="1200">
-                  <a:solidFill>
-                    <a:srgbClr val="000000">
-                      <a:alpha val="100000"/>
-                    </a:srgbClr>
-                  </a:solidFill>
-                  <a:latin typeface="Arial"/>
-                  <a:cs typeface="Arial"/>
-                </a:rPr>
-                <a:t>Oui, j’ai arrêté de travailler en raison de mon trouble psychotique</a:t>
-              </a:r>
-            </a:p>
-          </p:txBody>
-        </p:sp>
-        <p:sp>
-          <p:nvSpPr>
-            <p:cNvPr id="33" name="tx33"/>
-            <p:cNvSpPr/>
-            <p:nvPr/>
-          </p:nvSpPr>
-          <p:spPr>
-            <a:xfrm>
-              <a:off x="1289916" y="5843656"/>
-              <a:ext cx="4913262" cy="142279"/>
-            </a:xfrm>
-            <a:prstGeom prst="rect">
-              <a:avLst/>
-            </a:prstGeom>
-            <a:noFill/>
-          </p:spPr>
-          <p:txBody>
-            <a:bodyPr lIns="0" rIns="0" tIns="0" bIns="0" anchorCtr="1" anchor="ctr" wrap="none"/>
-            <a:lstStyle/>
-            <a:p>
-              <a:pPr algn="l" marL="0" marR="0" indent="0">
-                <a:lnSpc>
-                  <a:spcPts val="1200"/>
-                </a:lnSpc>
-                <a:spcBef>
-                  <a:spcPts val="0"/>
-                </a:spcBef>
-                <a:spcAft>
-                  <a:spcPts val="0"/>
-                </a:spcAft>
-              </a:pPr>
-              <a:r>
-                <a:rPr sz="1200">
-                  <a:solidFill>
-                    <a:srgbClr val="000000">
-                      <a:alpha val="100000"/>
-                    </a:srgbClr>
-                  </a:solidFill>
-                  <a:latin typeface="Arial"/>
-                  <a:cs typeface="Arial"/>
-                </a:rPr>
-                <a:t>Non, le trouble psychotique n’a pas eu d’impact sur mon temps de travail</a:t>
-              </a:r>
-            </a:p>
-          </p:txBody>
-        </p:sp>
-        <p:sp>
-          <p:nvSpPr>
-            <p:cNvPr id="34" name="tx34"/>
-            <p:cNvSpPr/>
-            <p:nvPr/>
-          </p:nvSpPr>
-          <p:spPr>
-            <a:xfrm>
-              <a:off x="1289916" y="6129975"/>
-              <a:ext cx="974228" cy="139377"/>
-            </a:xfrm>
-            <a:prstGeom prst="rect">
-              <a:avLst/>
-            </a:prstGeom>
-            <a:noFill/>
-          </p:spPr>
-          <p:txBody>
-            <a:bodyPr lIns="0" rIns="0" tIns="0" bIns="0" anchorCtr="1" anchor="ctr" wrap="none"/>
-            <a:lstStyle/>
-            <a:p>
-              <a:pPr algn="l" marL="0" marR="0" indent="0">
-                <a:lnSpc>
-                  <a:spcPts val="1200"/>
-                </a:lnSpc>
-                <a:spcBef>
-                  <a:spcPts val="0"/>
-                </a:spcBef>
-                <a:spcAft>
-                  <a:spcPts val="0"/>
-                </a:spcAft>
-              </a:pPr>
-              <a:r>
-                <a:rPr sz="1200">
-                  <a:solidFill>
-                    <a:srgbClr val="000000">
-                      <a:alpha val="100000"/>
-                    </a:srgbClr>
-                  </a:solidFill>
-                  <a:latin typeface="Arial"/>
-                  <a:cs typeface="Arial"/>
-                </a:rPr>
-                <a:t>Je ne sais pas</a:t>
               </a:r>
             </a:p>
           </p:txBody>

--- a/results/figures/pptx/impact_work_s2.pptx
+++ b/results/figures/pptx/impact_work_s2.pptx
@@ -2271,8 +2271,8 @@
           </p:nvSpPr>
           <p:spPr>
             <a:xfrm>
-              <a:off x="1277632" y="5873159"/>
-              <a:ext cx="1626799" cy="215667"/>
+              <a:off x="1277632" y="5782516"/>
+              <a:ext cx="1626799" cy="306310"/>
             </a:xfrm>
             <a:prstGeom prst="rect">
               <a:avLst/>
@@ -2297,8 +2297,8 @@
           </p:nvSpPr>
           <p:spPr>
             <a:xfrm>
-              <a:off x="3085188" y="4004040"/>
-              <a:ext cx="1626799" cy="2084786"/>
+              <a:off x="3085188" y="3944653"/>
+              <a:ext cx="1626799" cy="2144173"/>
             </a:xfrm>
             <a:prstGeom prst="rect">
               <a:avLst/>
@@ -2349,8 +2349,8 @@
           </p:nvSpPr>
           <p:spPr>
             <a:xfrm>
-              <a:off x="6700298" y="5441824"/>
-              <a:ext cx="1626799" cy="647002"/>
+              <a:off x="6700298" y="5476206"/>
+              <a:ext cx="1626799" cy="612621"/>
             </a:xfrm>
             <a:prstGeom prst="rect">
               <a:avLst/>
@@ -2375,8 +2375,8 @@
           </p:nvSpPr>
           <p:spPr>
             <a:xfrm>
-              <a:off x="2050839" y="5403497"/>
-              <a:ext cx="80386" cy="105723"/>
+              <a:off x="2050839" y="5315113"/>
+              <a:ext cx="80386" cy="103464"/>
             </a:xfrm>
             <a:prstGeom prst="rect">
               <a:avLst/>
@@ -2408,7 +2408,7 @@
                   <a:latin typeface="Arial"/>
                   <a:cs typeface="Arial"/>
                 </a:rPr>
-                <a:t>3</a:t>
+                <a:t>4</a:t>
               </a:r>
             </a:p>
           </p:txBody>
@@ -2421,7 +2421,7 @@
           </p:nvSpPr>
           <p:spPr>
             <a:xfrm>
-              <a:off x="1938446" y="5581710"/>
+              <a:off x="1938446" y="5491068"/>
               <a:ext cx="305171" cy="135647"/>
             </a:xfrm>
             <a:prstGeom prst="rect">
@@ -2454,7 +2454,7 @@
                   <a:latin typeface="Arial"/>
                   <a:cs typeface="Arial"/>
                 </a:rPr>
-                <a:t>(3%)</a:t>
+                <a:t>(5%)</a:t>
               </a:r>
             </a:p>
           </p:txBody>
@@ -2467,7 +2467,7 @@
           </p:nvSpPr>
           <p:spPr>
             <a:xfrm>
-              <a:off x="3818201" y="3534449"/>
+              <a:off x="3818201" y="3475062"/>
               <a:ext cx="160772" cy="105652"/>
             </a:xfrm>
             <a:prstGeom prst="rect">
@@ -2500,7 +2500,7 @@
                   <a:latin typeface="Arial"/>
                   <a:cs typeface="Arial"/>
                 </a:rPr>
-                <a:t>29</a:t>
+                <a:t>28</a:t>
               </a:r>
             </a:p>
           </p:txBody>
@@ -2513,7 +2513,7 @@
           </p:nvSpPr>
           <p:spPr>
             <a:xfrm>
-              <a:off x="3705809" y="3712591"/>
+              <a:off x="3705809" y="3653205"/>
               <a:ext cx="385557" cy="135647"/>
             </a:xfrm>
             <a:prstGeom prst="rect">
@@ -2546,7 +2546,7 @@
                   <a:latin typeface="Arial"/>
                   <a:cs typeface="Arial"/>
                 </a:rPr>
-                <a:t>(32%)</a:t>
+                <a:t>(33%)</a:t>
               </a:r>
             </a:p>
           </p:txBody>
@@ -2592,7 +2592,7 @@
                   <a:latin typeface="Arial"/>
                   <a:cs typeface="Arial"/>
                 </a:rPr>
-                <a:t>49</a:t>
+                <a:t>46</a:t>
               </a:r>
             </a:p>
           </p:txBody>
@@ -2638,7 +2638,7 @@
                   <a:latin typeface="Arial"/>
                   <a:cs typeface="Arial"/>
                 </a:rPr>
-                <a:t>(54%)</a:t>
+                <a:t>(53%)</a:t>
               </a:r>
             </a:p>
           </p:txBody>
@@ -2651,7 +2651,7 @@
           </p:nvSpPr>
           <p:spPr>
             <a:xfrm>
-              <a:off x="7473505" y="4972233"/>
+              <a:off x="7473505" y="5006614"/>
               <a:ext cx="80386" cy="105652"/>
             </a:xfrm>
             <a:prstGeom prst="rect">
@@ -2684,7 +2684,7 @@
                   <a:latin typeface="Arial"/>
                   <a:cs typeface="Arial"/>
                 </a:rPr>
-                <a:t>9</a:t>
+                <a:t>8</a:t>
               </a:r>
             </a:p>
           </p:txBody>
@@ -2697,8 +2697,8 @@
           </p:nvSpPr>
           <p:spPr>
             <a:xfrm>
-              <a:off x="7320920" y="5150375"/>
-              <a:ext cx="385557" cy="135647"/>
+              <a:off x="7361113" y="5184757"/>
+              <a:ext cx="305171" cy="135647"/>
             </a:xfrm>
             <a:prstGeom prst="rect">
               <a:avLst/>
@@ -2730,7 +2730,7 @@
                   <a:latin typeface="Arial"/>
                   <a:cs typeface="Arial"/>
                 </a:rPr>
-                <a:t>(10%)</a:t>
+                <a:t>(9%)</a:t>
               </a:r>
             </a:p>
           </p:txBody>
@@ -2829,7 +2829,53 @@
           </p:nvSpPr>
           <p:spPr>
             <a:xfrm>
-              <a:off x="754742" y="4594190"/>
+              <a:off x="754742" y="5266198"/>
+              <a:ext cx="169515" cy="111397"/>
+            </a:xfrm>
+            <a:prstGeom prst="rect">
+              <a:avLst/>
+            </a:prstGeom>
+            <a:noFill/>
+          </p:spPr>
+          <p:txBody>
+            <a:bodyPr lIns="0" rIns="0" tIns="0" bIns="0" anchorCtr="1" anchor="ctr" wrap="none"/>
+            <a:lstStyle/>
+            <a:p>
+              <a:pPr algn="l" marL="0" marR="0" indent="0">
+                <a:lnSpc>
+                  <a:spcPts val="1200"/>
+                </a:lnSpc>
+                <a:spcBef>
+                  <a:spcPts val="0"/>
+                </a:spcBef>
+                <a:spcAft>
+                  <a:spcPts val="0"/>
+                </a:spcAft>
+              </a:pPr>
+              <a:r>
+                <a:rPr sz="1200">
+                  <a:solidFill>
+                    <a:srgbClr val="000000">
+                      <a:alpha val="100000"/>
+                    </a:srgbClr>
+                  </a:solidFill>
+                  <a:latin typeface="Arial"/>
+                  <a:cs typeface="Arial"/>
+                </a:rPr>
+                <a:t>10</a:t>
+              </a:r>
+            </a:p>
+          </p:txBody>
+        </p:sp>
+        <p:sp>
+          <p:nvSpPr>
+            <p:cNvPr id="19" name="tx19"/>
+            <p:cNvSpPr/>
+            <p:nvPr/>
+          </p:nvSpPr>
+          <p:spPr>
+            <a:xfrm>
+              <a:off x="754742" y="4500422"/>
               <a:ext cx="169515" cy="111397"/>
             </a:xfrm>
             <a:prstGeom prst="rect">
@@ -2869,13 +2915,59 @@
         </p:sp>
         <p:sp>
           <p:nvSpPr>
-            <p:cNvPr id="19" name="tx19"/>
+            <p:cNvPr id="20" name="tx20"/>
             <p:cNvSpPr/>
             <p:nvPr/>
           </p:nvSpPr>
           <p:spPr>
             <a:xfrm>
-              <a:off x="754742" y="3156406"/>
+              <a:off x="754742" y="3734571"/>
+              <a:ext cx="169515" cy="111472"/>
+            </a:xfrm>
+            <a:prstGeom prst="rect">
+              <a:avLst/>
+            </a:prstGeom>
+            <a:noFill/>
+          </p:spPr>
+          <p:txBody>
+            <a:bodyPr lIns="0" rIns="0" tIns="0" bIns="0" anchorCtr="1" anchor="ctr" wrap="none"/>
+            <a:lstStyle/>
+            <a:p>
+              <a:pPr algn="l" marL="0" marR="0" indent="0">
+                <a:lnSpc>
+                  <a:spcPts val="1200"/>
+                </a:lnSpc>
+                <a:spcBef>
+                  <a:spcPts val="0"/>
+                </a:spcBef>
+                <a:spcAft>
+                  <a:spcPts val="0"/>
+                </a:spcAft>
+              </a:pPr>
+              <a:r>
+                <a:rPr sz="1200">
+                  <a:solidFill>
+                    <a:srgbClr val="000000">
+                      <a:alpha val="100000"/>
+                    </a:srgbClr>
+                  </a:solidFill>
+                  <a:latin typeface="Arial"/>
+                  <a:cs typeface="Arial"/>
+                </a:rPr>
+                <a:t>30</a:t>
+              </a:r>
+            </a:p>
+          </p:txBody>
+        </p:sp>
+        <p:sp>
+          <p:nvSpPr>
+            <p:cNvPr id="21" name="tx21"/>
+            <p:cNvSpPr/>
+            <p:nvPr/>
+          </p:nvSpPr>
+          <p:spPr>
+            <a:xfrm>
+              <a:off x="754742" y="2968869"/>
               <a:ext cx="169515" cy="111397"/>
             </a:xfrm>
             <a:prstGeom prst="rect">
@@ -2915,13 +3007,13 @@
         </p:sp>
         <p:sp>
           <p:nvSpPr>
-            <p:cNvPr id="20" name="tx20"/>
+            <p:cNvPr id="22" name="tx22"/>
             <p:cNvSpPr/>
             <p:nvPr/>
           </p:nvSpPr>
           <p:spPr>
             <a:xfrm>
-              <a:off x="754742" y="1718622"/>
+              <a:off x="754742" y="2203093"/>
               <a:ext cx="169515" cy="111397"/>
             </a:xfrm>
             <a:prstGeom prst="rect">
@@ -2954,14 +3046,14 @@
                   <a:latin typeface="Arial"/>
                   <a:cs typeface="Arial"/>
                 </a:rPr>
-                <a:t>60</a:t>
+                <a:t>50</a:t>
               </a:r>
             </a:p>
           </p:txBody>
         </p:sp>
         <p:sp>
           <p:nvSpPr>
-            <p:cNvPr id="21" name="pl21"/>
+            <p:cNvPr id="23" name="pl23"/>
             <p:cNvSpPr/>
             <p:nvPr/>
           </p:nvSpPr>
@@ -3001,93 +3093,13 @@
         </p:sp>
         <p:sp>
           <p:nvSpPr>
-            <p:cNvPr id="22" name="pl22"/>
-            <p:cNvSpPr/>
-            <p:nvPr/>
-          </p:nvSpPr>
-          <p:spPr>
-            <a:xfrm>
-              <a:off x="962215" y="4651043"/>
-              <a:ext cx="44283" cy="0"/>
-            </a:xfrm>
-            <a:custGeom>
-              <a:avLst/>
-              <a:pathLst>
-                <a:path w="44283" h="0">
-                  <a:moveTo>
-                    <a:pt x="0" y="0"/>
-                  </a:moveTo>
-                  <a:lnTo>
-                    <a:pt x="44283" y="0"/>
-                  </a:lnTo>
-                </a:path>
-              </a:pathLst>
-            </a:custGeom>
-            <a:ln w="13550" cap="flat">
-              <a:solidFill>
-                <a:srgbClr val="000000">
-                  <a:alpha val="100000"/>
-                </a:srgbClr>
-              </a:solidFill>
-              <a:prstDash val="solid"/>
-              <a:round/>
-            </a:ln>
-          </p:spPr>
-          <p:txBody>
-            <a:bodyPr/>
-            <a:lstStyle/>
-            <a:p/>
-          </p:txBody>
-        </p:sp>
-        <p:sp>
-          <p:nvSpPr>
-            <p:cNvPr id="23" name="pl23"/>
-            <p:cNvSpPr/>
-            <p:nvPr/>
-          </p:nvSpPr>
-          <p:spPr>
-            <a:xfrm>
-              <a:off x="962215" y="3213259"/>
-              <a:ext cx="44283" cy="0"/>
-            </a:xfrm>
-            <a:custGeom>
-              <a:avLst/>
-              <a:pathLst>
-                <a:path w="44283" h="0">
-                  <a:moveTo>
-                    <a:pt x="0" y="0"/>
-                  </a:moveTo>
-                  <a:lnTo>
-                    <a:pt x="44283" y="0"/>
-                  </a:lnTo>
-                </a:path>
-              </a:pathLst>
-            </a:custGeom>
-            <a:ln w="13550" cap="flat">
-              <a:solidFill>
-                <a:srgbClr val="000000">
-                  <a:alpha val="100000"/>
-                </a:srgbClr>
-              </a:solidFill>
-              <a:prstDash val="solid"/>
-              <a:round/>
-            </a:ln>
-          </p:spPr>
-          <p:txBody>
-            <a:bodyPr/>
-            <a:lstStyle/>
-            <a:p/>
-          </p:txBody>
-        </p:sp>
-        <p:sp>
-          <p:nvSpPr>
             <p:cNvPr id="24" name="pl24"/>
             <p:cNvSpPr/>
             <p:nvPr/>
           </p:nvSpPr>
           <p:spPr>
             <a:xfrm>
-              <a:off x="962215" y="1775475"/>
+              <a:off x="962215" y="5323050"/>
               <a:ext cx="44283" cy="0"/>
             </a:xfrm>
             <a:custGeom>
@@ -3127,6 +3139,166 @@
           </p:nvSpPr>
           <p:spPr>
             <a:xfrm>
+              <a:off x="962215" y="4557274"/>
+              <a:ext cx="44283" cy="0"/>
+            </a:xfrm>
+            <a:custGeom>
+              <a:avLst/>
+              <a:pathLst>
+                <a:path w="44283" h="0">
+                  <a:moveTo>
+                    <a:pt x="0" y="0"/>
+                  </a:moveTo>
+                  <a:lnTo>
+                    <a:pt x="44283" y="0"/>
+                  </a:lnTo>
+                </a:path>
+              </a:pathLst>
+            </a:custGeom>
+            <a:ln w="13550" cap="flat">
+              <a:solidFill>
+                <a:srgbClr val="000000">
+                  <a:alpha val="100000"/>
+                </a:srgbClr>
+              </a:solidFill>
+              <a:prstDash val="solid"/>
+              <a:round/>
+            </a:ln>
+          </p:spPr>
+          <p:txBody>
+            <a:bodyPr/>
+            <a:lstStyle/>
+            <a:p/>
+          </p:txBody>
+        </p:sp>
+        <p:sp>
+          <p:nvSpPr>
+            <p:cNvPr id="26" name="pl26"/>
+            <p:cNvSpPr/>
+            <p:nvPr/>
+          </p:nvSpPr>
+          <p:spPr>
+            <a:xfrm>
+              <a:off x="962215" y="3791498"/>
+              <a:ext cx="44283" cy="0"/>
+            </a:xfrm>
+            <a:custGeom>
+              <a:avLst/>
+              <a:pathLst>
+                <a:path w="44283" h="0">
+                  <a:moveTo>
+                    <a:pt x="0" y="0"/>
+                  </a:moveTo>
+                  <a:lnTo>
+                    <a:pt x="44283" y="0"/>
+                  </a:lnTo>
+                </a:path>
+              </a:pathLst>
+            </a:custGeom>
+            <a:ln w="13550" cap="flat">
+              <a:solidFill>
+                <a:srgbClr val="000000">
+                  <a:alpha val="100000"/>
+                </a:srgbClr>
+              </a:solidFill>
+              <a:prstDash val="solid"/>
+              <a:round/>
+            </a:ln>
+          </p:spPr>
+          <p:txBody>
+            <a:bodyPr/>
+            <a:lstStyle/>
+            <a:p/>
+          </p:txBody>
+        </p:sp>
+        <p:sp>
+          <p:nvSpPr>
+            <p:cNvPr id="27" name="pl27"/>
+            <p:cNvSpPr/>
+            <p:nvPr/>
+          </p:nvSpPr>
+          <p:spPr>
+            <a:xfrm>
+              <a:off x="962215" y="3025722"/>
+              <a:ext cx="44283" cy="0"/>
+            </a:xfrm>
+            <a:custGeom>
+              <a:avLst/>
+              <a:pathLst>
+                <a:path w="44283" h="0">
+                  <a:moveTo>
+                    <a:pt x="0" y="0"/>
+                  </a:moveTo>
+                  <a:lnTo>
+                    <a:pt x="44283" y="0"/>
+                  </a:lnTo>
+                </a:path>
+              </a:pathLst>
+            </a:custGeom>
+            <a:ln w="13550" cap="flat">
+              <a:solidFill>
+                <a:srgbClr val="000000">
+                  <a:alpha val="100000"/>
+                </a:srgbClr>
+              </a:solidFill>
+              <a:prstDash val="solid"/>
+              <a:round/>
+            </a:ln>
+          </p:spPr>
+          <p:txBody>
+            <a:bodyPr/>
+            <a:lstStyle/>
+            <a:p/>
+          </p:txBody>
+        </p:sp>
+        <p:sp>
+          <p:nvSpPr>
+            <p:cNvPr id="28" name="pl28"/>
+            <p:cNvSpPr/>
+            <p:nvPr/>
+          </p:nvSpPr>
+          <p:spPr>
+            <a:xfrm>
+              <a:off x="962215" y="2259945"/>
+              <a:ext cx="44283" cy="0"/>
+            </a:xfrm>
+            <a:custGeom>
+              <a:avLst/>
+              <a:pathLst>
+                <a:path w="44283" h="0">
+                  <a:moveTo>
+                    <a:pt x="0" y="0"/>
+                  </a:moveTo>
+                  <a:lnTo>
+                    <a:pt x="44283" y="0"/>
+                  </a:lnTo>
+                </a:path>
+              </a:pathLst>
+            </a:custGeom>
+            <a:ln w="13550" cap="flat">
+              <a:solidFill>
+                <a:srgbClr val="000000">
+                  <a:alpha val="100000"/>
+                </a:srgbClr>
+              </a:solidFill>
+              <a:prstDash val="solid"/>
+              <a:round/>
+            </a:ln>
+          </p:spPr>
+          <p:txBody>
+            <a:bodyPr/>
+            <a:lstStyle/>
+            <a:p/>
+          </p:txBody>
+        </p:sp>
+        <p:sp>
+          <p:nvSpPr>
+            <p:cNvPr id="29" name="pl29"/>
+            <p:cNvSpPr/>
+            <p:nvPr/>
+          </p:nvSpPr>
+          <p:spPr>
+            <a:xfrm>
               <a:off x="1006499" y="6088827"/>
               <a:ext cx="7591732" cy="0"/>
             </a:xfrm>
@@ -3161,7 +3333,7 @@
         </p:sp>
         <p:sp>
           <p:nvSpPr>
-            <p:cNvPr id="26" name="pl26"/>
+            <p:cNvPr id="30" name="pl30"/>
             <p:cNvSpPr/>
             <p:nvPr/>
           </p:nvSpPr>
@@ -3201,7 +3373,7 @@
         </p:sp>
         <p:sp>
           <p:nvSpPr>
-            <p:cNvPr id="27" name="pl27"/>
+            <p:cNvPr id="31" name="pl31"/>
             <p:cNvSpPr/>
             <p:nvPr/>
           </p:nvSpPr>
@@ -3241,7 +3413,7 @@
         </p:sp>
         <p:sp>
           <p:nvSpPr>
-            <p:cNvPr id="28" name="pl28"/>
+            <p:cNvPr id="32" name="pl32"/>
             <p:cNvSpPr/>
             <p:nvPr/>
           </p:nvSpPr>
@@ -3281,7 +3453,7 @@
         </p:sp>
         <p:sp>
           <p:nvSpPr>
-            <p:cNvPr id="29" name="pl29"/>
+            <p:cNvPr id="33" name="pl33"/>
             <p:cNvSpPr/>
             <p:nvPr/>
           </p:nvSpPr>
@@ -3321,7 +3493,7 @@
         </p:sp>
         <p:sp>
           <p:nvSpPr>
-            <p:cNvPr id="30" name="tx30"/>
+            <p:cNvPr id="34" name="tx34"/>
             <p:cNvSpPr/>
             <p:nvPr/>
           </p:nvSpPr>
@@ -3367,7 +3539,7 @@
         </p:sp>
         <p:sp>
           <p:nvSpPr>
-            <p:cNvPr id="31" name="tx31"/>
+            <p:cNvPr id="35" name="tx35"/>
             <p:cNvSpPr/>
             <p:nvPr/>
           </p:nvSpPr>
@@ -3413,7 +3585,7 @@
         </p:sp>
         <p:sp>
           <p:nvSpPr>
-            <p:cNvPr id="32" name="tx32"/>
+            <p:cNvPr id="36" name="tx36"/>
             <p:cNvSpPr/>
             <p:nvPr/>
           </p:nvSpPr>
@@ -3459,7 +3631,7 @@
         </p:sp>
         <p:sp>
           <p:nvSpPr>
-            <p:cNvPr id="33" name="tx33"/>
+            <p:cNvPr id="37" name="tx37"/>
             <p:cNvSpPr/>
             <p:nvPr/>
           </p:nvSpPr>
@@ -3505,7 +3677,7 @@
         </p:sp>
         <p:sp>
           <p:nvSpPr>
-            <p:cNvPr id="34" name="tx34"/>
+            <p:cNvPr id="38" name="tx38"/>
             <p:cNvSpPr/>
             <p:nvPr/>
           </p:nvSpPr>
@@ -3551,7 +3723,7 @@
         </p:sp>
         <p:sp>
           <p:nvSpPr>
-            <p:cNvPr id="35" name="tx35"/>
+            <p:cNvPr id="39" name="tx39"/>
             <p:cNvSpPr/>
             <p:nvPr/>
           </p:nvSpPr>
@@ -3590,14 +3762,14 @@
                   <a:latin typeface="Arial"/>
                   <a:cs typeface="Arial"/>
                 </a:rPr>
-                <a:t>Global impact (N=90)</a:t>
+                <a:t>Global impact (N=86)</a:t>
               </a:r>
             </a:p>
           </p:txBody>
         </p:sp>
         <p:sp>
           <p:nvSpPr>
-            <p:cNvPr id="36" name="tx36"/>
+            <p:cNvPr id="40" name="tx40"/>
             <p:cNvSpPr/>
             <p:nvPr/>
           </p:nvSpPr>
